--- a/STA-491-PC-F21/7 - More Interactivity & Arrays.pptx
+++ b/STA-491-PC-F21/7 - More Interactivity & Arrays.pptx
@@ -14,7 +14,6 @@
     <p:sldId id="305" r:id="rId11"/>
     <p:sldId id="303" r:id="rId12"/>
     <p:sldId id="307" r:id="rId13"/>
-    <p:sldId id="306" r:id="rId14"/>
   </p:sldIdLst>
   <p:sldSz cx="12192000" cy="6858000"/>
   <p:notesSz cx="6858000" cy="9144000"/>
@@ -2309,7 +2308,7 @@
             <a:fld id="{A5B0A250-5CC0-1746-B209-08E8B0DAE6AF}" type="datetimeFigureOut">
               <a:rPr lang="en-US" smtClean="0"/>
               <a:pPr algn="l"/>
-              <a:t>10/5/2021</a:t>
+              <a:t>10/10/2021</a:t>
             </a:fld>
             <a:endParaRPr lang="en-US" dirty="0"/>
           </a:p>
@@ -3771,7 +3770,7 @@
           <a:p>
             <a:fld id="{A5B0A250-5CC0-1746-B209-08E8B0DAE6AF}" type="datetimeFigureOut">
               <a:rPr lang="en-US" smtClean="0"/>
-              <a:t>10/5/2021</a:t>
+              <a:t>10/10/2021</a:t>
             </a:fld>
             <a:endParaRPr lang="en-US" dirty="0"/>
           </a:p>
@@ -4701,7 +4700,7 @@
           <a:p>
             <a:fld id="{A5B0A250-5CC0-1746-B209-08E8B0DAE6AF}" type="datetimeFigureOut">
               <a:rPr lang="en-US" smtClean="0"/>
-              <a:t>10/5/2021</a:t>
+              <a:t>10/10/2021</a:t>
             </a:fld>
             <a:endParaRPr lang="en-US"/>
           </a:p>
@@ -6158,7 +6157,7 @@
           <a:p>
             <a:fld id="{A5B0A250-5CC0-1746-B209-08E8B0DAE6AF}" type="datetimeFigureOut">
               <a:rPr lang="en-US" smtClean="0"/>
-              <a:t>10/5/2021</a:t>
+              <a:t>10/10/2021</a:t>
             </a:fld>
             <a:endParaRPr lang="en-US" dirty="0"/>
           </a:p>
@@ -8514,7 +8513,7 @@
           <a:p>
             <a:fld id="{A5B0A250-5CC0-1746-B209-08E8B0DAE6AF}" type="datetimeFigureOut">
               <a:rPr lang="en-US" smtClean="0"/>
-              <a:t>10/5/2021</a:t>
+              <a:t>10/10/2021</a:t>
             </a:fld>
             <a:endParaRPr lang="en-US" dirty="0"/>
           </a:p>
@@ -9555,7 +9554,7 @@
           <a:p>
             <a:fld id="{A5B0A250-5CC0-1746-B209-08E8B0DAE6AF}" type="datetimeFigureOut">
               <a:rPr lang="en-US" smtClean="0"/>
-              <a:t>10/5/2021</a:t>
+              <a:t>10/10/2021</a:t>
             </a:fld>
             <a:endParaRPr lang="en-US" dirty="0"/>
           </a:p>
@@ -10768,7 +10767,7 @@
           <a:p>
             <a:fld id="{A5B0A250-5CC0-1746-B209-08E8B0DAE6AF}" type="datetimeFigureOut">
               <a:rPr lang="en-US" smtClean="0"/>
-              <a:t>10/5/2021</a:t>
+              <a:t>10/10/2021</a:t>
             </a:fld>
             <a:endParaRPr lang="en-US" dirty="0"/>
           </a:p>
@@ -11677,7 +11676,7 @@
           <a:p>
             <a:fld id="{A5B0A250-5CC0-1746-B209-08E8B0DAE6AF}" type="datetimeFigureOut">
               <a:rPr lang="en-US" smtClean="0"/>
-              <a:t>10/5/2021</a:t>
+              <a:t>10/10/2021</a:t>
             </a:fld>
             <a:endParaRPr lang="en-US" dirty="0"/>
           </a:p>
@@ -11836,7 +11835,7 @@
             <a:fld id="{A5B0A250-5CC0-1746-B209-08E8B0DAE6AF}" type="datetimeFigureOut">
               <a:rPr lang="en-US" smtClean="0"/>
               <a:pPr/>
-              <a:t>10/5/2021</a:t>
+              <a:t>10/10/2021</a:t>
             </a:fld>
             <a:endParaRPr lang="en-US" dirty="0"/>
           </a:p>
@@ -12819,7 +12818,7 @@
           <a:p>
             <a:fld id="{A5B0A250-5CC0-1746-B209-08E8B0DAE6AF}" type="datetimeFigureOut">
               <a:rPr lang="en-US" smtClean="0"/>
-              <a:t>10/5/2021</a:t>
+              <a:t>10/10/2021</a:t>
             </a:fld>
             <a:endParaRPr lang="en-US" dirty="0"/>
           </a:p>
@@ -13881,7 +13880,7 @@
           <a:p>
             <a:fld id="{A5B0A250-5CC0-1746-B209-08E8B0DAE6AF}" type="datetimeFigureOut">
               <a:rPr lang="en-US" smtClean="0"/>
-              <a:t>10/5/2021</a:t>
+              <a:t>10/10/2021</a:t>
             </a:fld>
             <a:endParaRPr lang="en-US" dirty="0"/>
           </a:p>
@@ -14172,7 +14171,7 @@
             <a:fld id="{A5B0A250-5CC0-1746-B209-08E8B0DAE6AF}" type="datetimeFigureOut">
               <a:rPr lang="en-US" smtClean="0"/>
               <a:pPr/>
-              <a:t>10/5/2021</a:t>
+              <a:t>10/10/2021</a:t>
             </a:fld>
             <a:endParaRPr lang="en-US" dirty="0"/>
           </a:p>
@@ -14649,7 +14648,7 @@
         <p:spPr>
           <a:xfrm>
             <a:off x="1266824" y="1485900"/>
-            <a:ext cx="10325101" cy="2369880"/>
+            <a:ext cx="10325101" cy="3231654"/>
           </a:xfrm>
           <a:prstGeom prst="rect">
             <a:avLst/>
@@ -14698,6 +14697,35 @@
               <a:buFont typeface="Arial" panose="020B0604020202020204" pitchFamily="34" charset="0"/>
               <a:buChar char="•"/>
             </a:pPr>
+            <a:r>
+              <a:rPr lang="en-US" sz="2800" b="1">
+                <a:solidFill>
+                  <a:schemeClr val="bg1"/>
+                </a:solidFill>
+                <a:latin typeface="Roboto" panose="02000000000000000000" pitchFamily="2" charset="0"/>
+                <a:ea typeface="Roboto" panose="02000000000000000000" pitchFamily="2" charset="0"/>
+              </a:rPr>
+              <a:t>In-class Exercise #8</a:t>
+            </a:r>
+          </a:p>
+          <a:p>
+            <a:pPr marL="571500" indent="-571500">
+              <a:buFont typeface="Arial" panose="020B0604020202020204" pitchFamily="34" charset="0"/>
+              <a:buChar char="•"/>
+            </a:pPr>
+            <a:endParaRPr lang="en-US" sz="2800" b="1" dirty="0">
+              <a:solidFill>
+                <a:schemeClr val="bg1"/>
+              </a:solidFill>
+              <a:latin typeface="Roboto" panose="02000000000000000000" pitchFamily="2" charset="0"/>
+              <a:ea typeface="Roboto" panose="02000000000000000000" pitchFamily="2" charset="0"/>
+            </a:endParaRPr>
+          </a:p>
+          <a:p>
+            <a:pPr marL="571500" indent="-571500">
+              <a:buFont typeface="Arial" panose="020B0604020202020204" pitchFamily="34" charset="0"/>
+              <a:buChar char="•"/>
+            </a:pPr>
             <a:endParaRPr lang="en-US" sz="2800" b="1" dirty="0">
               <a:solidFill>
                 <a:schemeClr val="bg1"/>
@@ -14737,85 +14765,6 @@
     <p:extLst>
       <p:ext uri="{BB962C8B-B14F-4D97-AF65-F5344CB8AC3E}">
         <p14:creationId xmlns:p14="http://schemas.microsoft.com/office/powerpoint/2010/main" val="3727560904"/>
-      </p:ext>
-    </p:extLst>
-  </p:cSld>
-  <p:clrMapOvr>
-    <a:masterClrMapping/>
-  </p:clrMapOvr>
-</p:sld>
-</file>
-
-<file path=ppt/slides/slide10.xml><?xml version="1.0" encoding="utf-8"?>
-<p:sld xmlns:a="http://schemas.openxmlformats.org/drawingml/2006/main" xmlns:r="http://schemas.openxmlformats.org/officeDocument/2006/relationships" xmlns:p="http://schemas.openxmlformats.org/presentationml/2006/main">
-  <p:cSld>
-    <p:spTree>
-      <p:nvGrpSpPr>
-        <p:cNvPr id="1" name=""/>
-        <p:cNvGrpSpPr/>
-        <p:nvPr/>
-      </p:nvGrpSpPr>
-      <p:grpSpPr>
-        <a:xfrm>
-          <a:off x="0" y="0"/>
-          <a:ext cx="0" cy="0"/>
-          <a:chOff x="0" y="0"/>
-          <a:chExt cx="0" cy="0"/>
-        </a:xfrm>
-      </p:grpSpPr>
-      <p:sp>
-        <p:nvSpPr>
-          <p:cNvPr id="5" name="TextBox 4">
-            <a:extLst>
-              <a:ext uri="{FF2B5EF4-FFF2-40B4-BE49-F238E27FC236}">
-                <a16:creationId xmlns:a16="http://schemas.microsoft.com/office/drawing/2014/main" id="{83ECCB7D-9037-4CE2-9C45-B0CD528D5DFD}"/>
-              </a:ext>
-            </a:extLst>
-          </p:cNvPr>
-          <p:cNvSpPr txBox="1"/>
-          <p:nvPr/>
-        </p:nvSpPr>
-        <p:spPr>
-          <a:xfrm>
-            <a:off x="941490" y="315461"/>
-            <a:ext cx="9925050" cy="830997"/>
-          </a:xfrm>
-          <a:prstGeom prst="rect">
-            <a:avLst/>
-          </a:prstGeom>
-          <a:noFill/>
-        </p:spPr>
-        <p:txBody>
-          <a:bodyPr wrap="square" rtlCol="0">
-            <a:spAutoFit/>
-          </a:bodyPr>
-          <a:lstStyle/>
-          <a:p>
-            <a:pPr algn="ctr"/>
-            <a:r>
-              <a:rPr lang="en-US" sz="4800" b="1" dirty="0">
-                <a:solidFill>
-                  <a:schemeClr val="bg1"/>
-                </a:solidFill>
-                <a:latin typeface="Roboto" panose="02000000000000000000" pitchFamily="2" charset="0"/>
-                <a:ea typeface="Roboto" panose="02000000000000000000" pitchFamily="2" charset="0"/>
-              </a:rPr>
-              <a:t>Class Examples</a:t>
-            </a:r>
-            <a:endParaRPr lang="en-US" sz="4800" b="1" strike="sngStrike" dirty="0">
-              <a:solidFill>
-                <a:schemeClr val="bg1"/>
-              </a:solidFill>
-              <a:latin typeface="Roboto" panose="02000000000000000000" pitchFamily="2" charset="0"/>
-              <a:ea typeface="Roboto" panose="02000000000000000000" pitchFamily="2" charset="0"/>
-            </a:endParaRPr>
-          </a:p>
-        </p:txBody>
-      </p:sp>
-    </p:spTree>
-    <p:extLst>
-      <p:ext uri="{BB962C8B-B14F-4D97-AF65-F5344CB8AC3E}">
-        <p14:creationId xmlns:p14="http://schemas.microsoft.com/office/powerpoint/2010/main" val="861560309"/>
       </p:ext>
     </p:extLst>
   </p:cSld>
@@ -18507,6 +18456,21 @@
 </file>
 
 <file path=customXml/item1.xml><?xml version="1.0" encoding="utf-8"?>
+<p:properties xmlns:p="http://schemas.microsoft.com/office/2006/metadata/properties" xmlns:xsi="http://www.w3.org/2001/XMLSchema-instance" xmlns:pc="http://schemas.microsoft.com/office/infopath/2007/PartnerControls">
+  <documentManagement/>
+</p:properties>
+</file>
+
+<file path=customXml/item2.xml><?xml version="1.0" encoding="utf-8"?>
+<?mso-contentType ?>
+<FormTemplates xmlns="http://schemas.microsoft.com/sharepoint/v3/contenttype/forms">
+  <Display>DocumentLibraryForm</Display>
+  <Edit>DocumentLibraryForm</Edit>
+  <New>DocumentLibraryForm</New>
+</FormTemplates>
+</file>
+
+<file path=customXml/item3.xml><?xml version="1.0" encoding="utf-8"?>
 <ct:contentTypeSchema xmlns:ct="http://schemas.microsoft.com/office/2006/metadata/contentType" xmlns:ma="http://schemas.microsoft.com/office/2006/metadata/properties/metaAttributes" ct:_="" ma:_="" ma:contentTypeName="Document" ma:contentTypeID="0x0101000D958A5556AA64499116E1793A53468A" ma:contentTypeVersion="7" ma:contentTypeDescription="Create a new document." ma:contentTypeScope="" ma:versionID="bf3d4e6668e1c41632fb8d2af3a79adb">
   <xsd:schema xmlns:xsd="http://www.w3.org/2001/XMLSchema" xmlns:xs="http://www.w3.org/2001/XMLSchema" xmlns:p="http://schemas.microsoft.com/office/2006/metadata/properties" xmlns:ns3="27f5b930-c5a1-440e-b577-567b15b72b75" xmlns:ns4="cd174ddd-0451-4af8-ad43-5fbbe8b32ab0" targetNamespace="http://schemas.microsoft.com/office/2006/metadata/properties" ma:root="true" ma:fieldsID="c3468af79fddbdadfa5914a73d12b22c" ns3:_="" ns4:_="">
     <xsd:import namespace="27f5b930-c5a1-440e-b577-567b15b72b75"/>
@@ -18691,22 +18655,32 @@
 </ct:contentTypeSchema>
 </file>
 
-<file path=customXml/item2.xml><?xml version="1.0" encoding="utf-8"?>
-<?mso-contentType ?>
-<FormTemplates xmlns="http://schemas.microsoft.com/sharepoint/v3/contenttype/forms">
-  <Display>DocumentLibraryForm</Display>
-  <Edit>DocumentLibraryForm</Edit>
-  <New>DocumentLibraryForm</New>
-</FormTemplates>
+<file path=customXml/itemProps1.xml><?xml version="1.0" encoding="utf-8"?>
+<ds:datastoreItem xmlns:ds="http://schemas.openxmlformats.org/officeDocument/2006/customXml" ds:itemID="{D77166A1-332D-4088-BCD3-CEBE89D2B1FE}">
+  <ds:schemaRefs>
+    <ds:schemaRef ds:uri="http://purl.org/dc/elements/1.1/"/>
+    <ds:schemaRef ds:uri="http://www.w3.org/XML/1998/namespace"/>
+    <ds:schemaRef ds:uri="27f5b930-c5a1-440e-b577-567b15b72b75"/>
+    <ds:schemaRef ds:uri="http://schemas.microsoft.com/office/infopath/2007/PartnerControls"/>
+    <ds:schemaRef ds:uri="cd174ddd-0451-4af8-ad43-5fbbe8b32ab0"/>
+    <ds:schemaRef ds:uri="http://purl.org/dc/dcmitype/"/>
+    <ds:schemaRef ds:uri="http://schemas.microsoft.com/office/2006/documentManagement/types"/>
+    <ds:schemaRef ds:uri="http://schemas.openxmlformats.org/package/2006/metadata/core-properties"/>
+    <ds:schemaRef ds:uri="http://schemas.microsoft.com/office/2006/metadata/properties"/>
+    <ds:schemaRef ds:uri="http://purl.org/dc/terms/"/>
+  </ds:schemaRefs>
+</ds:datastoreItem>
 </file>
 
-<file path=customXml/item3.xml><?xml version="1.0" encoding="utf-8"?>
-<p:properties xmlns:p="http://schemas.microsoft.com/office/2006/metadata/properties" xmlns:xsi="http://www.w3.org/2001/XMLSchema-instance" xmlns:pc="http://schemas.microsoft.com/office/infopath/2007/PartnerControls">
-  <documentManagement/>
-</p:properties>
+<file path=customXml/itemProps2.xml><?xml version="1.0" encoding="utf-8"?>
+<ds:datastoreItem xmlns:ds="http://schemas.openxmlformats.org/officeDocument/2006/customXml" ds:itemID="{30011791-DDFA-47A0-AD1F-41FE8474C0EC}">
+  <ds:schemaRefs>
+    <ds:schemaRef ds:uri="http://schemas.microsoft.com/sharepoint/v3/contenttype/forms"/>
+  </ds:schemaRefs>
+</ds:datastoreItem>
 </file>
 
-<file path=customXml/itemProps1.xml><?xml version="1.0" encoding="utf-8"?>
+<file path=customXml/itemProps3.xml><?xml version="1.0" encoding="utf-8"?>
 <ds:datastoreItem xmlns:ds="http://schemas.openxmlformats.org/officeDocument/2006/customXml" ds:itemID="{FA177A05-C433-4667-B307-2FE55F767BB5}">
   <ds:schemaRefs>
     <ds:schemaRef ds:uri="http://schemas.microsoft.com/office/2006/metadata/contentType"/>
@@ -18723,29 +18697,4 @@
     <ds:schemaRef ds:uri="http://schemas.microsoft.com/internal/obd"/>
   </ds:schemaRefs>
 </ds:datastoreItem>
-</file>
-
-<file path=customXml/itemProps2.xml><?xml version="1.0" encoding="utf-8"?>
-<ds:datastoreItem xmlns:ds="http://schemas.openxmlformats.org/officeDocument/2006/customXml" ds:itemID="{30011791-DDFA-47A0-AD1F-41FE8474C0EC}">
-  <ds:schemaRefs>
-    <ds:schemaRef ds:uri="http://schemas.microsoft.com/sharepoint/v3/contenttype/forms"/>
-  </ds:schemaRefs>
-</ds:datastoreItem>
-</file>
-
-<file path=customXml/itemProps3.xml><?xml version="1.0" encoding="utf-8"?>
-<ds:datastoreItem xmlns:ds="http://schemas.openxmlformats.org/officeDocument/2006/customXml" ds:itemID="{D77166A1-332D-4088-BCD3-CEBE89D2B1FE}">
-  <ds:schemaRefs>
-    <ds:schemaRef ds:uri="http://purl.org/dc/elements/1.1/"/>
-    <ds:schemaRef ds:uri="http://www.w3.org/XML/1998/namespace"/>
-    <ds:schemaRef ds:uri="27f5b930-c5a1-440e-b577-567b15b72b75"/>
-    <ds:schemaRef ds:uri="http://schemas.microsoft.com/office/infopath/2007/PartnerControls"/>
-    <ds:schemaRef ds:uri="cd174ddd-0451-4af8-ad43-5fbbe8b32ab0"/>
-    <ds:schemaRef ds:uri="http://purl.org/dc/dcmitype/"/>
-    <ds:schemaRef ds:uri="http://schemas.microsoft.com/office/2006/documentManagement/types"/>
-    <ds:schemaRef ds:uri="http://schemas.openxmlformats.org/package/2006/metadata/core-properties"/>
-    <ds:schemaRef ds:uri="http://schemas.microsoft.com/office/2006/metadata/properties"/>
-    <ds:schemaRef ds:uri="http://purl.org/dc/terms/"/>
-  </ds:schemaRefs>
-</ds:datastoreItem>
 </file>